--- a/MediaTinLanh.UI.WPF/Files/template.pptx
+++ b/MediaTinLanh.UI.WPF/Files/template.pptx
@@ -5,16 +5,16 @@
     <p:sldMasterId id="2147483648" r:id="rId1"/>
   </p:sldMasterIdLst>
   <p:sldIdLst>
-    <p:sldId id="256" r:id="rId6"/>
-    <p:sldId id="257" r:id="rId7"/>
+    <p:sldId id="256" r:id="rId2"/>
+    <p:sldId id="257" r:id="rId3"/>
   </p:sldIdLst>
-  <p:sldSz cx="12192000" cy="6858000" type="screen4x3"/>
+  <p:sldSz cx="12192000" cy="6858000"/>
   <p:notesSz cx="6858000" cy="9144000"/>
   <p:defaultTextStyle>
     <a:defPPr defTabSz="914400">
       <a:defRPr lang="en-US" dirty="0"/>
     </a:defPPr>
-    <a:lvl1pPr marL="0" rtl="0" algn="l" defTabSz="914400">
+    <a:lvl1pPr marL="0" algn="l" defTabSz="914400" rtl="0">
       <a:defRPr sz="1800" kern="1200" dirty="0">
         <a:solidFill>
           <a:schemeClr val="tx1"/>
@@ -23,7 +23,7 @@
         <a:ea typeface="+mn-ea"/>
       </a:defRPr>
     </a:lvl1pPr>
-    <a:lvl2pPr marL="457200" rtl="0" algn="l" defTabSz="914400">
+    <a:lvl2pPr marL="457200" algn="l" defTabSz="914400" rtl="0">
       <a:defRPr sz="1800" kern="1200" dirty="0">
         <a:solidFill>
           <a:schemeClr val="tx1"/>
@@ -32,7 +32,7 @@
         <a:ea typeface="+mn-ea"/>
       </a:defRPr>
     </a:lvl2pPr>
-    <a:lvl3pPr marL="914400" rtl="0" algn="l" defTabSz="914400">
+    <a:lvl3pPr marL="914400" algn="l" defTabSz="914400" rtl="0">
       <a:defRPr sz="1800" kern="1200" dirty="0">
         <a:solidFill>
           <a:schemeClr val="tx1"/>
@@ -41,7 +41,7 @@
         <a:ea typeface="+mn-ea"/>
       </a:defRPr>
     </a:lvl3pPr>
-    <a:lvl4pPr marL="1371600" rtl="0" algn="l" defTabSz="914400">
+    <a:lvl4pPr marL="1371600" algn="l" defTabSz="914400" rtl="0">
       <a:defRPr sz="1800" kern="1200" dirty="0">
         <a:solidFill>
           <a:schemeClr val="tx1"/>
@@ -50,7 +50,7 @@
         <a:ea typeface="+mn-ea"/>
       </a:defRPr>
     </a:lvl4pPr>
-    <a:lvl5pPr marL="1828800" rtl="0" algn="l" defTabSz="914400">
+    <a:lvl5pPr marL="1828800" algn="l" defTabSz="914400" rtl="0">
       <a:defRPr sz="1800" kern="1200" dirty="0">
         <a:solidFill>
           <a:schemeClr val="tx1"/>
@@ -59,7 +59,7 @@
         <a:ea typeface="+mn-ea"/>
       </a:defRPr>
     </a:lvl5pPr>
-    <a:lvl6pPr marL="2286000" rtl="0" algn="l" defTabSz="914400">
+    <a:lvl6pPr marL="2286000" algn="l" defTabSz="914400" rtl="0">
       <a:defRPr sz="1800" kern="1200" dirty="0">
         <a:solidFill>
           <a:schemeClr val="tx1"/>
@@ -68,7 +68,7 @@
         <a:ea typeface="+mn-ea"/>
       </a:defRPr>
     </a:lvl6pPr>
-    <a:lvl7pPr marL="2743200" rtl="0" algn="l" defTabSz="914400">
+    <a:lvl7pPr marL="2743200" algn="l" defTabSz="914400" rtl="0">
       <a:defRPr sz="1800" kern="1200" dirty="0">
         <a:solidFill>
           <a:schemeClr val="tx1"/>
@@ -77,7 +77,7 @@
         <a:ea typeface="+mn-ea"/>
       </a:defRPr>
     </a:lvl7pPr>
-    <a:lvl8pPr marL="3200400" rtl="0" algn="l" defTabSz="914400">
+    <a:lvl8pPr marL="3200400" algn="l" defTabSz="914400" rtl="0">
       <a:defRPr sz="1800" kern="1200" dirty="0">
         <a:solidFill>
           <a:schemeClr val="tx1"/>
@@ -86,7 +86,7 @@
         <a:ea typeface="+mn-ea"/>
       </a:defRPr>
     </a:lvl8pPr>
-    <a:lvl9pPr marL="3657600" rtl="0" algn="l" defTabSz="914400">
+    <a:lvl9pPr marL="3657600" algn="l" defTabSz="914400" rtl="0">
       <a:defRPr sz="1800" kern="1200" dirty="0">
         <a:solidFill>
           <a:schemeClr val="tx1"/>
@@ -97,13 +97,11 @@
     </a:lvl9pPr>
   </p:defaultTextStyle>
   <p:extLst>
-    <p:ext uri="{521415D9-36F7-43E2-AB2F-B90AF26B5E84}"/>
+    <p:ext uri="{EFAFB233-063F-42B5-8137-9DF3F51BA10A}">
+      <p15:sldGuideLst xmlns:p15="http://schemas.microsoft.com/office/powerpoint/2012/main"/>
+    </p:ext>
   </p:extLst>
 </p:presentation>
-</file>
-
-<file path=ppt/commentAuthors.xml><?xml version="1.0" encoding="utf-8"?>
-<p:cmAuthorLst xmlns:a="http://schemas.openxmlformats.org/drawingml/2006/main" xmlns:r="http://schemas.openxmlformats.org/officeDocument/2006/relationships" xmlns:p="http://schemas.openxmlformats.org/presentationml/2006/main"/>
 </file>
 
 <file path=ppt/slideLayouts/slideLayout1.xml><?xml version="1.0" encoding="utf-8"?>
@@ -144,19 +142,17 @@
           </a:ln>
         </p:spPr>
         <p:txBody>
-          <a:bodyPr anchor="b" wrap="square"/>
+          <a:bodyPr wrap="square" anchor="b"/>
           <a:lstStyle>
             <a:lvl1pPr algn="ctr">
               <a:defRPr sz="6000" dirty="0"/>
             </a:lvl1pPr>
           </a:lstStyle>
           <a:p>
-            <a:pPr/>
             <a:r>
               <a:rPr lang="en-US" dirty="0"/>
               <a:t>Click to edit Master title style</a:t>
             </a:r>
-            <a:endParaRPr lang="en-US" dirty="0"/>
           </a:p>
         </p:txBody>
       </p:sp>
@@ -221,12 +217,10 @@
             </a:lvl9pPr>
           </a:lstStyle>
           <a:p>
-            <a:pPr/>
             <a:r>
               <a:rPr lang="en-US" dirty="0"/>
               <a:t>Click to edit Master subtitle style</a:t>
             </a:r>
-            <a:endParaRPr lang="en-US" dirty="0"/>
           </a:p>
         </p:txBody>
       </p:sp>
@@ -250,10 +244,9 @@
           <a:bodyPr wrap="square"/>
           <a:lstStyle/>
           <a:p>
-            <a:pPr/>
             <a:fld id="{D4630D1D-EC81-4D12-BBAE-7AD5C46FE905}" type="datetimeFigureOut">
               <a:rPr lang="en-US" dirty="0"/>
-              <a:t>7/8/2015</a:t>
+              <a:t>4/17/2021</a:t>
             </a:fld>
             <a:endParaRPr lang="en-US" dirty="0"/>
           </a:p>
@@ -279,7 +272,6 @@
           <a:bodyPr wrap="square"/>
           <a:lstStyle/>
           <a:p>
-            <a:pPr/>
             <a:endParaRPr lang="en-US" dirty="0"/>
           </a:p>
         </p:txBody>
@@ -304,7 +296,6 @@
           <a:bodyPr wrap="square"/>
           <a:lstStyle/>
           <a:p>
-            <a:pPr/>
             <a:fld id="{E1CC4C9C-B29E-4E68-9F89-CA7A1621DE94}" type="slidenum">
               <a:rPr lang="en-US" dirty="0"/>
               <a:t>‹#›</a:t>
@@ -358,12 +349,10 @@
           <a:bodyPr wrap="square"/>
           <a:lstStyle/>
           <a:p>
-            <a:pPr/>
             <a:r>
               <a:rPr lang="en-US" dirty="0"/>
               <a:t>Click to edit Master title style</a:t>
             </a:r>
-            <a:endParaRPr lang="en-US" dirty="0"/>
           </a:p>
         </p:txBody>
       </p:sp>
@@ -387,7 +376,6 @@
           <a:bodyPr vert="eaVert" wrap="square"/>
           <a:lstStyle/>
           <a:p>
-            <a:pPr/>
             <a:r>
               <a:rPr lang="en-US" dirty="0"/>
               <a:t>Click to edit Master text styles</a:t>
@@ -420,7 +408,6 @@
               <a:rPr lang="en-US" dirty="0"/>
               <a:t>Fifth level</a:t>
             </a:r>
-            <a:endParaRPr lang="en-US" dirty="0"/>
           </a:p>
         </p:txBody>
       </p:sp>
@@ -444,10 +431,9 @@
           <a:bodyPr wrap="square"/>
           <a:lstStyle/>
           <a:p>
-            <a:pPr/>
             <a:fld id="{D4630D1D-EC81-4D12-BBAE-7AD5C46FE905}" type="datetimeFigureOut">
               <a:rPr lang="en-US" dirty="0"/>
-              <a:t>7/8/2015</a:t>
+              <a:t>4/17/2021</a:t>
             </a:fld>
             <a:endParaRPr lang="en-US" dirty="0"/>
           </a:p>
@@ -473,7 +459,6 @@
           <a:bodyPr wrap="square"/>
           <a:lstStyle/>
           <a:p>
-            <a:pPr/>
             <a:endParaRPr lang="en-US" dirty="0"/>
           </a:p>
         </p:txBody>
@@ -498,7 +483,6 @@
           <a:bodyPr wrap="square"/>
           <a:lstStyle/>
           <a:p>
-            <a:pPr/>
             <a:fld id="{E1CC4C9C-B29E-4E68-9F89-CA7A1621DE94}" type="slidenum">
               <a:rPr lang="en-US" dirty="0"/>
               <a:t>‹#›</a:t>
@@ -556,12 +540,10 @@
           <a:bodyPr vert="eaVert" wrap="square"/>
           <a:lstStyle/>
           <a:p>
-            <a:pPr/>
             <a:r>
               <a:rPr lang="en-US" dirty="0"/>
               <a:t>Click to edit Master title style</a:t>
             </a:r>
-            <a:endParaRPr lang="en-US" dirty="0"/>
           </a:p>
         </p:txBody>
       </p:sp>
@@ -589,7 +571,6 @@
           <a:bodyPr vert="eaVert" wrap="square"/>
           <a:lstStyle/>
           <a:p>
-            <a:pPr/>
             <a:r>
               <a:rPr lang="en-US" dirty="0"/>
               <a:t>Click to edit Master text styles</a:t>
@@ -622,7 +603,6 @@
               <a:rPr lang="en-US" dirty="0"/>
               <a:t>Fifth level</a:t>
             </a:r>
-            <a:endParaRPr lang="en-US" dirty="0"/>
           </a:p>
         </p:txBody>
       </p:sp>
@@ -646,10 +626,9 @@
           <a:bodyPr wrap="square"/>
           <a:lstStyle/>
           <a:p>
-            <a:pPr/>
             <a:fld id="{D4630D1D-EC81-4D12-BBAE-7AD5C46FE905}" type="datetimeFigureOut">
               <a:rPr lang="en-US" dirty="0"/>
-              <a:t>7/8/2015</a:t>
+              <a:t>4/17/2021</a:t>
             </a:fld>
             <a:endParaRPr lang="en-US" dirty="0"/>
           </a:p>
@@ -675,7 +654,6 @@
           <a:bodyPr wrap="square"/>
           <a:lstStyle/>
           <a:p>
-            <a:pPr/>
             <a:endParaRPr lang="en-US" dirty="0"/>
           </a:p>
         </p:txBody>
@@ -700,7 +678,6 @@
           <a:bodyPr wrap="square"/>
           <a:lstStyle/>
           <a:p>
-            <a:pPr/>
             <a:fld id="{E1CC4C9C-B29E-4E68-9F89-CA7A1621DE94}" type="slidenum">
               <a:rPr lang="en-US" dirty="0"/>
               <a:t>‹#›</a:t>
@@ -709,62 +686,6 @@
           </a:p>
         </p:txBody>
       </p:sp>
-    </p:spTree>
-  </p:cSld>
-  <p:clrMapOvr>
-    <a:masterClrMapping/>
-  </p:clrMapOvr>
-</p:sldLayout>
-</file>
-
-<file path=ppt/slideLayouts/slideLayout13.xml><?xml version="1.0" encoding="utf-8"?>
-<p:sldLayout xmlns:a="http://schemas.openxmlformats.org/drawingml/2006/main" xmlns:r="http://schemas.openxmlformats.org/officeDocument/2006/relationships" xmlns:p="http://schemas.openxmlformats.org/presentationml/2006/main">
-  <p:cSld name="CustomLayout">
-    <p:spTree>
-      <p:nvGrpSpPr>
-        <p:cNvPr id="1" name=""/>
-        <p:cNvGrpSpPr/>
-        <p:nvPr/>
-      </p:nvGrpSpPr>
-      <p:grpSpPr>
-        <a:xfrm>
-          <a:off x="0" y="0"/>
-          <a:ext cx="0" cy="0"/>
-          <a:chOff x="0" y="0"/>
-          <a:chExt cx="0" cy="0"/>
-        </a:xfrm>
-      </p:grpSpPr>
-      <p:pic>
-        <p:nvPicPr>
-          <p:cNvPr id="2" name="Picture 2"/>
-          <p:cNvPicPr>
-            <a:picLocks noChangeAspect="1"/>
-          </p:cNvPicPr>
-          <p:nvPr/>
-        </p:nvPicPr>
-        <p:blipFill>
-          <a:blip r:embed="rId2">
-            <a:lum/>
-          </a:blip>
-          <a:srcRect/>
-          <a:stretch>
-            <a:fillRect/>
-          </a:stretch>
-        </p:blipFill>
-        <p:spPr bwMode="white">
-          <a:xfrm rot="0">
-            <a:off x="0" y="0"/>
-            <a:ext cx="12192000" cy="6858000"/>
-          </a:xfrm>
-          <a:prstGeom prst="rect">
-            <a:avLst/>
-          </a:prstGeom>
-          <a:ln>
-            <a:headEnd type="none"/>
-            <a:tailEnd type="none"/>
-          </a:ln>
-        </p:spPr>
-      </p:pic>
     </p:spTree>
   </p:cSld>
   <p:clrMapOvr>
@@ -810,12 +731,10 @@
           <a:bodyPr wrap="square"/>
           <a:lstStyle/>
           <a:p>
-            <a:pPr/>
             <a:r>
               <a:rPr lang="en-US" dirty="0"/>
               <a:t>Click to edit Master title style</a:t>
             </a:r>
-            <a:endParaRPr lang="en-US" dirty="0"/>
           </a:p>
         </p:txBody>
       </p:sp>
@@ -839,7 +758,6 @@
           <a:bodyPr wrap="square"/>
           <a:lstStyle/>
           <a:p>
-            <a:pPr/>
             <a:r>
               <a:rPr lang="en-US" dirty="0"/>
               <a:t>Click to edit Master text styles</a:t>
@@ -872,7 +790,6 @@
               <a:rPr lang="en-US" dirty="0"/>
               <a:t>Fifth level</a:t>
             </a:r>
-            <a:endParaRPr lang="en-US" dirty="0"/>
           </a:p>
         </p:txBody>
       </p:sp>
@@ -896,10 +813,9 @@
           <a:bodyPr wrap="square"/>
           <a:lstStyle/>
           <a:p>
-            <a:pPr/>
             <a:fld id="{D4630D1D-EC81-4D12-BBAE-7AD5C46FE905}" type="datetimeFigureOut">
               <a:rPr lang="en-US" dirty="0"/>
-              <a:t>7/8/2015</a:t>
+              <a:t>4/17/2021</a:t>
             </a:fld>
             <a:endParaRPr lang="en-US" dirty="0"/>
           </a:p>
@@ -925,7 +841,6 @@
           <a:bodyPr wrap="square"/>
           <a:lstStyle/>
           <a:p>
-            <a:pPr/>
             <a:endParaRPr lang="en-US" dirty="0"/>
           </a:p>
         </p:txBody>
@@ -950,7 +865,6 @@
           <a:bodyPr wrap="square"/>
           <a:lstStyle/>
           <a:p>
-            <a:pPr/>
             <a:fld id="{E1CC4C9C-B29E-4E68-9F89-CA7A1621DE94}" type="slidenum">
               <a:rPr lang="en-US" dirty="0"/>
               <a:t>‹#›</a:t>
@@ -1005,19 +919,17 @@
           </a:ln>
         </p:spPr>
         <p:txBody>
-          <a:bodyPr anchor="b" wrap="square"/>
+          <a:bodyPr wrap="square" anchor="b"/>
           <a:lstStyle>
             <a:lvl1pPr>
               <a:defRPr sz="6000" dirty="0"/>
             </a:lvl1pPr>
           </a:lstStyle>
           <a:p>
-            <a:pPr/>
             <a:r>
               <a:rPr lang="en-US" dirty="0"/>
               <a:t>Click to edit Master title style</a:t>
             </a:r>
-            <a:endParaRPr lang="en-US" dirty="0"/>
           </a:p>
         </p:txBody>
       </p:sp>
@@ -1136,7 +1048,6 @@
             </a:lvl9pPr>
           </a:lstStyle>
           <a:p>
-            <a:pPr/>
             <a:r>
               <a:rPr lang="en-US" dirty="0"/>
               <a:t>Click to edit Master text styles</a:t>
@@ -1164,10 +1075,9 @@
           <a:bodyPr wrap="square"/>
           <a:lstStyle/>
           <a:p>
-            <a:pPr/>
             <a:fld id="{D4630D1D-EC81-4D12-BBAE-7AD5C46FE905}" type="datetimeFigureOut">
               <a:rPr lang="en-US" dirty="0"/>
-              <a:t>7/8/2015</a:t>
+              <a:t>4/17/2021</a:t>
             </a:fld>
             <a:endParaRPr lang="en-US" dirty="0"/>
           </a:p>
@@ -1193,7 +1103,6 @@
           <a:bodyPr wrap="square"/>
           <a:lstStyle/>
           <a:p>
-            <a:pPr/>
             <a:endParaRPr lang="en-US" dirty="0"/>
           </a:p>
         </p:txBody>
@@ -1218,7 +1127,6 @@
           <a:bodyPr wrap="square"/>
           <a:lstStyle/>
           <a:p>
-            <a:pPr/>
             <a:fld id="{E1CC4C9C-B29E-4E68-9F89-CA7A1621DE94}" type="slidenum">
               <a:rPr lang="en-US" dirty="0"/>
               <a:t>‹#›</a:t>
@@ -1272,12 +1180,10 @@
           <a:bodyPr wrap="square"/>
           <a:lstStyle/>
           <a:p>
-            <a:pPr/>
             <a:r>
               <a:rPr lang="en-US" dirty="0"/>
               <a:t>Click to edit Master title style</a:t>
             </a:r>
-            <a:endParaRPr lang="en-US" dirty="0"/>
           </a:p>
         </p:txBody>
       </p:sp>
@@ -1305,7 +1211,6 @@
           <a:bodyPr wrap="square"/>
           <a:lstStyle/>
           <a:p>
-            <a:pPr/>
             <a:r>
               <a:rPr lang="en-US" dirty="0"/>
               <a:t>Click to edit Master text styles</a:t>
@@ -1338,7 +1243,6 @@
               <a:rPr lang="en-US" dirty="0"/>
               <a:t>Fifth level</a:t>
             </a:r>
-            <a:endParaRPr lang="en-US" dirty="0"/>
           </a:p>
         </p:txBody>
       </p:sp>
@@ -1366,7 +1270,6 @@
           <a:bodyPr wrap="square"/>
           <a:lstStyle/>
           <a:p>
-            <a:pPr/>
             <a:r>
               <a:rPr lang="en-US" dirty="0"/>
               <a:t>Click to edit Master text styles</a:t>
@@ -1399,7 +1302,6 @@
               <a:rPr lang="en-US" dirty="0"/>
               <a:t>Fifth level</a:t>
             </a:r>
-            <a:endParaRPr lang="en-US" dirty="0"/>
           </a:p>
         </p:txBody>
       </p:sp>
@@ -1423,10 +1325,9 @@
           <a:bodyPr wrap="square"/>
           <a:lstStyle/>
           <a:p>
-            <a:pPr/>
             <a:fld id="{D4630D1D-EC81-4D12-BBAE-7AD5C46FE905}" type="datetimeFigureOut">
               <a:rPr lang="en-US" dirty="0"/>
-              <a:t>7/8/2015</a:t>
+              <a:t>4/17/2021</a:t>
             </a:fld>
             <a:endParaRPr lang="en-US" dirty="0"/>
           </a:p>
@@ -1452,7 +1353,6 @@
           <a:bodyPr wrap="square"/>
           <a:lstStyle/>
           <a:p>
-            <a:pPr/>
             <a:endParaRPr lang="en-US" dirty="0"/>
           </a:p>
         </p:txBody>
@@ -1477,7 +1377,6 @@
           <a:bodyPr wrap="square"/>
           <a:lstStyle/>
           <a:p>
-            <a:pPr/>
             <a:fld id="{E1CC4C9C-B29E-4E68-9F89-CA7A1621DE94}" type="slidenum">
               <a:rPr lang="en-US" dirty="0"/>
               <a:t>‹#›</a:t>
@@ -1535,12 +1434,10 @@
           <a:bodyPr wrap="square"/>
           <a:lstStyle/>
           <a:p>
-            <a:pPr/>
             <a:r>
               <a:rPr lang="en-US" dirty="0"/>
               <a:t>Click to edit Master title style</a:t>
             </a:r>
-            <a:endParaRPr lang="en-US" dirty="0"/>
           </a:p>
         </p:txBody>
       </p:sp>
@@ -1565,7 +1462,7 @@
           </a:ln>
         </p:spPr>
         <p:txBody>
-          <a:bodyPr anchor="b" wrap="square"/>
+          <a:bodyPr wrap="square" anchor="b"/>
           <a:lstStyle>
             <a:lvl1pPr marL="0" indent="0">
               <a:buNone/>
@@ -1605,7 +1502,6 @@
             </a:lvl9pPr>
           </a:lstStyle>
           <a:p>
-            <a:pPr/>
             <a:r>
               <a:rPr lang="en-US" dirty="0"/>
               <a:t>Click to edit Master text styles</a:t>
@@ -1637,7 +1533,6 @@
           <a:bodyPr wrap="square"/>
           <a:lstStyle/>
           <a:p>
-            <a:pPr/>
             <a:r>
               <a:rPr lang="en-US" dirty="0"/>
               <a:t>Click to edit Master text styles</a:t>
@@ -1670,7 +1565,6 @@
               <a:rPr lang="en-US" dirty="0"/>
               <a:t>Fifth level</a:t>
             </a:r>
-            <a:endParaRPr lang="en-US" dirty="0"/>
           </a:p>
         </p:txBody>
       </p:sp>
@@ -1695,7 +1589,7 @@
           </a:ln>
         </p:spPr>
         <p:txBody>
-          <a:bodyPr anchor="b" wrap="square"/>
+          <a:bodyPr wrap="square" anchor="b"/>
           <a:lstStyle>
             <a:lvl1pPr marL="0" indent="0">
               <a:buNone/>
@@ -1735,7 +1629,6 @@
             </a:lvl9pPr>
           </a:lstStyle>
           <a:p>
-            <a:pPr/>
             <a:r>
               <a:rPr lang="en-US" dirty="0"/>
               <a:t>Click to edit Master text styles</a:t>
@@ -1767,7 +1660,6 @@
           <a:bodyPr wrap="square"/>
           <a:lstStyle/>
           <a:p>
-            <a:pPr/>
             <a:r>
               <a:rPr lang="en-US" dirty="0"/>
               <a:t>Click to edit Master text styles</a:t>
@@ -1800,7 +1692,6 @@
               <a:rPr lang="en-US" dirty="0"/>
               <a:t>Fifth level</a:t>
             </a:r>
-            <a:endParaRPr lang="en-US" dirty="0"/>
           </a:p>
         </p:txBody>
       </p:sp>
@@ -1824,10 +1715,9 @@
           <a:bodyPr wrap="square"/>
           <a:lstStyle/>
           <a:p>
-            <a:pPr/>
             <a:fld id="{D4630D1D-EC81-4D12-BBAE-7AD5C46FE905}" type="datetimeFigureOut">
               <a:rPr lang="en-US" dirty="0"/>
-              <a:t>7/8/2015</a:t>
+              <a:t>4/17/2021</a:t>
             </a:fld>
             <a:endParaRPr lang="en-US" dirty="0"/>
           </a:p>
@@ -1853,7 +1743,6 @@
           <a:bodyPr wrap="square"/>
           <a:lstStyle/>
           <a:p>
-            <a:pPr/>
             <a:endParaRPr lang="en-US" dirty="0"/>
           </a:p>
         </p:txBody>
@@ -1878,7 +1767,6 @@
           <a:bodyPr wrap="square"/>
           <a:lstStyle/>
           <a:p>
-            <a:pPr/>
             <a:fld id="{E1CC4C9C-B29E-4E68-9F89-CA7A1621DE94}" type="slidenum">
               <a:rPr lang="en-US" dirty="0"/>
               <a:t>‹#›</a:t>
@@ -1932,12 +1820,10 @@
           <a:bodyPr wrap="square"/>
           <a:lstStyle/>
           <a:p>
-            <a:pPr/>
             <a:r>
               <a:rPr lang="en-US" dirty="0"/>
               <a:t>Click to edit Master title style</a:t>
             </a:r>
-            <a:endParaRPr lang="en-US" dirty="0"/>
           </a:p>
         </p:txBody>
       </p:sp>
@@ -1961,10 +1847,9 @@
           <a:bodyPr wrap="square"/>
           <a:lstStyle/>
           <a:p>
-            <a:pPr/>
             <a:fld id="{D4630D1D-EC81-4D12-BBAE-7AD5C46FE905}" type="datetimeFigureOut">
               <a:rPr lang="en-US" dirty="0"/>
-              <a:t>7/8/2015</a:t>
+              <a:t>4/17/2021</a:t>
             </a:fld>
             <a:endParaRPr lang="en-US" dirty="0"/>
           </a:p>
@@ -1990,7 +1875,6 @@
           <a:bodyPr wrap="square"/>
           <a:lstStyle/>
           <a:p>
-            <a:pPr/>
             <a:endParaRPr lang="en-US" dirty="0"/>
           </a:p>
         </p:txBody>
@@ -2015,7 +1899,6 @@
           <a:bodyPr wrap="square"/>
           <a:lstStyle/>
           <a:p>
-            <a:pPr/>
             <a:fld id="{E1CC4C9C-B29E-4E68-9F89-CA7A1621DE94}" type="slidenum">
               <a:rPr lang="en-US" dirty="0"/>
               <a:t>‹#›</a:t>
@@ -2069,10 +1952,9 @@
           <a:bodyPr wrap="square"/>
           <a:lstStyle/>
           <a:p>
-            <a:pPr/>
             <a:fld id="{D4630D1D-EC81-4D12-BBAE-7AD5C46FE905}" type="datetimeFigureOut">
               <a:rPr lang="en-US" dirty="0"/>
-              <a:t>7/8/2015</a:t>
+              <a:t>4/17/2021</a:t>
             </a:fld>
             <a:endParaRPr lang="en-US" dirty="0"/>
           </a:p>
@@ -2098,7 +1980,6 @@
           <a:bodyPr wrap="square"/>
           <a:lstStyle/>
           <a:p>
-            <a:pPr/>
             <a:endParaRPr lang="en-US" dirty="0"/>
           </a:p>
         </p:txBody>
@@ -2123,7 +2004,6 @@
           <a:bodyPr wrap="square"/>
           <a:lstStyle/>
           <a:p>
-            <a:pPr/>
             <a:fld id="{E1CC4C9C-B29E-4E68-9F89-CA7A1621DE94}" type="slidenum">
               <a:rPr lang="en-US" dirty="0"/>
               <a:t>‹#›</a:t>
@@ -2178,19 +2058,17 @@
           </a:ln>
         </p:spPr>
         <p:txBody>
-          <a:bodyPr anchor="b" wrap="square"/>
+          <a:bodyPr wrap="square" anchor="b"/>
           <a:lstStyle>
             <a:lvl1pPr>
               <a:defRPr sz="3200" dirty="0"/>
             </a:lvl1pPr>
           </a:lstStyle>
           <a:p>
-            <a:pPr/>
             <a:r>
               <a:rPr lang="en-US" dirty="0"/>
               <a:t>Click to edit Master title style</a:t>
             </a:r>
-            <a:endParaRPr lang="en-US" dirty="0"/>
           </a:p>
         </p:txBody>
       </p:sp>
@@ -2246,7 +2124,6 @@
             </a:lvl9pPr>
           </a:lstStyle>
           <a:p>
-            <a:pPr/>
             <a:r>
               <a:rPr lang="en-US" dirty="0"/>
               <a:t>Click to edit Master text styles</a:t>
@@ -2279,7 +2156,6 @@
               <a:rPr lang="en-US" dirty="0"/>
               <a:t>Fifth level</a:t>
             </a:r>
-            <a:endParaRPr lang="en-US" dirty="0"/>
           </a:p>
         </p:txBody>
       </p:sp>
@@ -2344,7 +2220,6 @@
             </a:lvl9pPr>
           </a:lstStyle>
           <a:p>
-            <a:pPr/>
             <a:r>
               <a:rPr lang="en-US" dirty="0"/>
               <a:t>Click to edit Master text styles</a:t>
@@ -2372,10 +2247,9 @@
           <a:bodyPr wrap="square"/>
           <a:lstStyle/>
           <a:p>
-            <a:pPr/>
             <a:fld id="{D4630D1D-EC81-4D12-BBAE-7AD5C46FE905}" type="datetimeFigureOut">
               <a:rPr lang="en-US" dirty="0"/>
-              <a:t>7/8/2015</a:t>
+              <a:t>4/17/2021</a:t>
             </a:fld>
             <a:endParaRPr lang="en-US" dirty="0"/>
           </a:p>
@@ -2401,7 +2275,6 @@
           <a:bodyPr wrap="square"/>
           <a:lstStyle/>
           <a:p>
-            <a:pPr/>
             <a:endParaRPr lang="en-US" dirty="0"/>
           </a:p>
         </p:txBody>
@@ -2426,7 +2299,6 @@
           <a:bodyPr wrap="square"/>
           <a:lstStyle/>
           <a:p>
-            <a:pPr/>
             <a:fld id="{E1CC4C9C-B29E-4E68-9F89-CA7A1621DE94}" type="slidenum">
               <a:rPr lang="en-US" dirty="0"/>
               <a:t>‹#›</a:t>
@@ -2481,19 +2353,17 @@
           </a:ln>
         </p:spPr>
         <p:txBody>
-          <a:bodyPr anchor="b" wrap="square"/>
+          <a:bodyPr wrap="square" anchor="b"/>
           <a:lstStyle>
             <a:lvl1pPr>
               <a:defRPr sz="3200" dirty="0"/>
             </a:lvl1pPr>
           </a:lstStyle>
           <a:p>
-            <a:pPr/>
             <a:r>
               <a:rPr lang="en-US" dirty="0"/>
               <a:t>Click to edit Master title style</a:t>
             </a:r>
-            <a:endParaRPr lang="en-US" dirty="0"/>
           </a:p>
         </p:txBody>
       </p:sp>
@@ -2558,7 +2428,6 @@
             </a:lvl9pPr>
           </a:lstStyle>
           <a:p>
-            <a:pPr/>
             <a:endParaRPr lang="en-US" dirty="0"/>
           </a:p>
         </p:txBody>
@@ -2624,7 +2493,6 @@
             </a:lvl9pPr>
           </a:lstStyle>
           <a:p>
-            <a:pPr/>
             <a:r>
               <a:rPr lang="en-US" dirty="0"/>
               <a:t>Click to edit Master text styles</a:t>
@@ -2652,10 +2520,9 @@
           <a:bodyPr wrap="square"/>
           <a:lstStyle/>
           <a:p>
-            <a:pPr/>
             <a:fld id="{D4630D1D-EC81-4D12-BBAE-7AD5C46FE905}" type="datetimeFigureOut">
               <a:rPr lang="en-US" dirty="0"/>
-              <a:t>7/8/2015</a:t>
+              <a:t>4/17/2021</a:t>
             </a:fld>
             <a:endParaRPr lang="en-US" dirty="0"/>
           </a:p>
@@ -2681,7 +2548,6 @@
           <a:bodyPr wrap="square"/>
           <a:lstStyle/>
           <a:p>
-            <a:pPr/>
             <a:endParaRPr lang="en-US" dirty="0"/>
           </a:p>
         </p:txBody>
@@ -2706,7 +2572,6 @@
           <a:bodyPr wrap="square"/>
           <a:lstStyle/>
           <a:p>
-            <a:pPr/>
             <a:fld id="{E1CC4C9C-B29E-4E68-9F89-CA7A1621DE94}" type="slidenum">
               <a:rPr lang="en-US" dirty="0"/>
               <a:t>‹#›</a:t>
@@ -2731,6 +2596,7 @@
         <a:solidFill>
           <a:schemeClr val="bg1"/>
         </a:solidFill>
+        <a:effectLst/>
       </p:bgPr>
     </p:bg>
     <p:spTree>
@@ -2771,17 +2637,15 @@
           </a:ln>
         </p:spPr>
         <p:txBody>
-          <a:bodyPr lIns="91440" tIns="45720" rIns="91440" bIns="45720" anchor="ctr" wrap="square">
+          <a:bodyPr wrap="square" lIns="91440" tIns="45720" rIns="91440" bIns="45720" anchor="ctr">
             <a:normAutofit/>
           </a:bodyPr>
           <a:lstStyle/>
           <a:p>
-            <a:pPr/>
             <a:r>
               <a:rPr lang="en-US" dirty="0"/>
               <a:t>Click to edit Master title style</a:t>
             </a:r>
-            <a:endParaRPr lang="en-US" dirty="0"/>
           </a:p>
         </p:txBody>
       </p:sp>
@@ -2809,12 +2673,11 @@
           </a:ln>
         </p:spPr>
         <p:txBody>
-          <a:bodyPr lIns="91440" tIns="45720" rIns="91440" bIns="45720" wrap="square">
+          <a:bodyPr wrap="square" lIns="91440" tIns="45720" rIns="91440" bIns="45720">
             <a:normAutofit/>
           </a:bodyPr>
           <a:lstStyle/>
           <a:p>
-            <a:pPr/>
             <a:r>
               <a:rPr lang="en-US" dirty="0"/>
               <a:t>Click to edit Master text styles</a:t>
@@ -2847,7 +2710,6 @@
               <a:rPr lang="en-US" dirty="0"/>
               <a:t>Fifth level</a:t>
             </a:r>
-            <a:endParaRPr lang="en-US" dirty="0"/>
           </a:p>
         </p:txBody>
       </p:sp>
@@ -2875,7 +2737,7 @@
           </a:ln>
         </p:spPr>
         <p:txBody>
-          <a:bodyPr lIns="91440" tIns="45720" rIns="91440" bIns="45720" anchor="ctr" wrap="square"/>
+          <a:bodyPr wrap="square" lIns="91440" tIns="45720" rIns="91440" bIns="45720" anchor="ctr"/>
           <a:lstStyle>
             <a:lvl1pPr algn="l">
               <a:defRPr sz="1200" dirty="0">
@@ -2888,10 +2750,9 @@
             </a:lvl1pPr>
           </a:lstStyle>
           <a:p>
-            <a:pPr/>
             <a:fld id="{D4630D1D-EC81-4D12-BBAE-7AD5C46FE905}" type="datetimeFigureOut">
               <a:rPr lang="en-US" dirty="0"/>
-              <a:t>7/8/2015</a:t>
+              <a:t>4/17/2021</a:t>
             </a:fld>
             <a:endParaRPr lang="en-US" dirty="0"/>
           </a:p>
@@ -2921,7 +2782,7 @@
           </a:ln>
         </p:spPr>
         <p:txBody>
-          <a:bodyPr lIns="91440" tIns="45720" rIns="91440" bIns="45720" anchor="ctr" wrap="square"/>
+          <a:bodyPr wrap="square" lIns="91440" tIns="45720" rIns="91440" bIns="45720" anchor="ctr"/>
           <a:lstStyle>
             <a:lvl1pPr algn="ctr">
               <a:defRPr sz="1200" dirty="0">
@@ -2934,7 +2795,6 @@
             </a:lvl1pPr>
           </a:lstStyle>
           <a:p>
-            <a:pPr/>
             <a:endParaRPr lang="en-US" dirty="0"/>
           </a:p>
         </p:txBody>
@@ -2963,7 +2823,7 @@
           </a:ln>
         </p:spPr>
         <p:txBody>
-          <a:bodyPr lIns="91440" tIns="45720" rIns="91440" bIns="45720" anchor="ctr" wrap="square"/>
+          <a:bodyPr wrap="square" lIns="91440" tIns="45720" rIns="91440" bIns="45720" anchor="ctr"/>
           <a:lstStyle>
             <a:lvl1pPr algn="r">
               <a:defRPr sz="1200" dirty="0">
@@ -2976,7 +2836,6 @@
             </a:lvl1pPr>
           </a:lstStyle>
           <a:p>
-            <a:pPr/>
             <a:fld id="{E1CC4C9C-B29E-4E68-9F89-CA7A1621DE94}" type="slidenum">
               <a:rPr lang="en-US" dirty="0"/>
               <a:t>‹#›</a:t>
@@ -3000,11 +2859,10 @@
     <p:sldLayoutId id="2147483657" r:id="rId9"/>
     <p:sldLayoutId id="2147483658" r:id="rId10"/>
     <p:sldLayoutId id="2147483659" r:id="rId11"/>
-    <p:sldLayoutId id="2147483660" r:id="rId13"/>
   </p:sldLayoutIdLst>
   <p:txStyles>
     <p:titleStyle>
-      <a:lvl1pPr rtl="0" algn="l" defTabSz="914400">
+      <a:lvl1pPr algn="l" defTabSz="914400" rtl="0">
         <a:lnSpc>
           <a:spcPct val="90000"/>
         </a:lnSpc>
@@ -3022,7 +2880,7 @@
       </a:lvl1pPr>
     </p:titleStyle>
     <p:bodyStyle>
-      <a:lvl1pPr marL="228600" indent="-228600" rtl="0" algn="l" defTabSz="914400">
+      <a:lvl1pPr marL="228600" indent="-228600" algn="l" defTabSz="914400" rtl="0">
         <a:lnSpc>
           <a:spcPct val="90000"/>
         </a:lnSpc>
@@ -3039,7 +2897,7 @@
           <a:ea typeface="+mn-ea"/>
         </a:defRPr>
       </a:lvl1pPr>
-      <a:lvl2pPr marL="685800" indent="-228600" rtl="0" algn="l" defTabSz="914400">
+      <a:lvl2pPr marL="685800" indent="-228600" algn="l" defTabSz="914400" rtl="0">
         <a:lnSpc>
           <a:spcPct val="90000"/>
         </a:lnSpc>
@@ -3056,7 +2914,7 @@
           <a:ea typeface="+mn-ea"/>
         </a:defRPr>
       </a:lvl2pPr>
-      <a:lvl3pPr marL="1143000" indent="-228600" rtl="0" algn="l" defTabSz="914400">
+      <a:lvl3pPr marL="1143000" indent="-228600" algn="l" defTabSz="914400" rtl="0">
         <a:lnSpc>
           <a:spcPct val="90000"/>
         </a:lnSpc>
@@ -3073,7 +2931,7 @@
           <a:ea typeface="+mn-ea"/>
         </a:defRPr>
       </a:lvl3pPr>
-      <a:lvl4pPr marL="1600200" indent="-228600" rtl="0" algn="l" defTabSz="914400">
+      <a:lvl4pPr marL="1600200" indent="-228600" algn="l" defTabSz="914400" rtl="0">
         <a:lnSpc>
           <a:spcPct val="90000"/>
         </a:lnSpc>
@@ -3090,7 +2948,7 @@
           <a:ea typeface="+mn-ea"/>
         </a:defRPr>
       </a:lvl4pPr>
-      <a:lvl5pPr marL="2057400" indent="-228600" rtl="0" algn="l" defTabSz="914400">
+      <a:lvl5pPr marL="2057400" indent="-228600" algn="l" defTabSz="914400" rtl="0">
         <a:lnSpc>
           <a:spcPct val="90000"/>
         </a:lnSpc>
@@ -3107,7 +2965,7 @@
           <a:ea typeface="+mn-ea"/>
         </a:defRPr>
       </a:lvl5pPr>
-      <a:lvl6pPr marL="2514600" indent="-228600" rtl="0" algn="l" defTabSz="914400">
+      <a:lvl6pPr marL="2514600" indent="-228600" algn="l" defTabSz="914400" rtl="0">
         <a:lnSpc>
           <a:spcPct val="90000"/>
         </a:lnSpc>
@@ -3124,7 +2982,7 @@
           <a:ea typeface="+mn-ea"/>
         </a:defRPr>
       </a:lvl6pPr>
-      <a:lvl7pPr marL="2971800" indent="-228600" rtl="0" algn="l" defTabSz="914400">
+      <a:lvl7pPr marL="2971800" indent="-228600" algn="l" defTabSz="914400" rtl="0">
         <a:lnSpc>
           <a:spcPct val="90000"/>
         </a:lnSpc>
@@ -3141,7 +2999,7 @@
           <a:ea typeface="+mn-ea"/>
         </a:defRPr>
       </a:lvl7pPr>
-      <a:lvl8pPr marL="3429000" indent="-228600" rtl="0" algn="l" defTabSz="914400">
+      <a:lvl8pPr marL="3429000" indent="-228600" algn="l" defTabSz="914400" rtl="0">
         <a:lnSpc>
           <a:spcPct val="90000"/>
         </a:lnSpc>
@@ -3158,7 +3016,7 @@
           <a:ea typeface="+mn-ea"/>
         </a:defRPr>
       </a:lvl8pPr>
-      <a:lvl9pPr marL="3886200" indent="-228600" rtl="0" algn="l" defTabSz="914400">
+      <a:lvl9pPr marL="3886200" indent="-228600" algn="l" defTabSz="914400" rtl="0">
         <a:lnSpc>
           <a:spcPct val="90000"/>
         </a:lnSpc>
@@ -3180,7 +3038,7 @@
       <a:defPPr defTabSz="914400">
         <a:defRPr lang="en-US" dirty="0"/>
       </a:defPPr>
-      <a:lvl1pPr marL="0" rtl="0" algn="l" defTabSz="914400">
+      <a:lvl1pPr marL="0" algn="l" defTabSz="914400" rtl="0">
         <a:defRPr sz="1800" kern="1200" dirty="0">
           <a:solidFill>
             <a:schemeClr val="tx1"/>
@@ -3189,7 +3047,7 @@
           <a:ea typeface="+mn-ea"/>
         </a:defRPr>
       </a:lvl1pPr>
-      <a:lvl2pPr marL="457200" rtl="0" algn="l" defTabSz="914400">
+      <a:lvl2pPr marL="457200" algn="l" defTabSz="914400" rtl="0">
         <a:defRPr sz="1800" kern="1200" dirty="0">
           <a:solidFill>
             <a:schemeClr val="tx1"/>
@@ -3198,7 +3056,7 @@
           <a:ea typeface="+mn-ea"/>
         </a:defRPr>
       </a:lvl2pPr>
-      <a:lvl3pPr marL="914400" rtl="0" algn="l" defTabSz="914400">
+      <a:lvl3pPr marL="914400" algn="l" defTabSz="914400" rtl="0">
         <a:defRPr sz="1800" kern="1200" dirty="0">
           <a:solidFill>
             <a:schemeClr val="tx1"/>
@@ -3207,7 +3065,7 @@
           <a:ea typeface="+mn-ea"/>
         </a:defRPr>
       </a:lvl3pPr>
-      <a:lvl4pPr marL="1371600" rtl="0" algn="l" defTabSz="914400">
+      <a:lvl4pPr marL="1371600" algn="l" defTabSz="914400" rtl="0">
         <a:defRPr sz="1800" kern="1200" dirty="0">
           <a:solidFill>
             <a:schemeClr val="tx1"/>
@@ -3216,7 +3074,7 @@
           <a:ea typeface="+mn-ea"/>
         </a:defRPr>
       </a:lvl4pPr>
-      <a:lvl5pPr marL="1828800" rtl="0" algn="l" defTabSz="914400">
+      <a:lvl5pPr marL="1828800" algn="l" defTabSz="914400" rtl="0">
         <a:defRPr sz="1800" kern="1200" dirty="0">
           <a:solidFill>
             <a:schemeClr val="tx1"/>
@@ -3225,7 +3083,7 @@
           <a:ea typeface="+mn-ea"/>
         </a:defRPr>
       </a:lvl5pPr>
-      <a:lvl6pPr marL="2286000" rtl="0" algn="l" defTabSz="914400">
+      <a:lvl6pPr marL="2286000" algn="l" defTabSz="914400" rtl="0">
         <a:defRPr sz="1800" kern="1200" dirty="0">
           <a:solidFill>
             <a:schemeClr val="tx1"/>
@@ -3234,7 +3092,7 @@
           <a:ea typeface="+mn-ea"/>
         </a:defRPr>
       </a:lvl6pPr>
-      <a:lvl7pPr marL="2743200" rtl="0" algn="l" defTabSz="914400">
+      <a:lvl7pPr marL="2743200" algn="l" defTabSz="914400" rtl="0">
         <a:defRPr sz="1800" kern="1200" dirty="0">
           <a:solidFill>
             <a:schemeClr val="tx1"/>
@@ -3243,7 +3101,7 @@
           <a:ea typeface="+mn-ea"/>
         </a:defRPr>
       </a:lvl7pPr>
-      <a:lvl8pPr marL="3200400" rtl="0" algn="l" defTabSz="914400">
+      <a:lvl8pPr marL="3200400" algn="l" defTabSz="914400" rtl="0">
         <a:defRPr sz="1800" kern="1200" dirty="0">
           <a:solidFill>
             <a:schemeClr val="tx1"/>
@@ -3252,7 +3110,7 @@
           <a:ea typeface="+mn-ea"/>
         </a:defRPr>
       </a:lvl8pPr>
-      <a:lvl9pPr marL="3657600" rtl="0" algn="l" defTabSz="914400">
+      <a:lvl9pPr marL="3657600" algn="l" defTabSz="914400" rtl="0">
         <a:defRPr sz="1800" kern="1200" dirty="0">
           <a:solidFill>
             <a:schemeClr val="tx1"/>
@@ -3269,6 +3127,20 @@
 <file path=ppt/slides/slide1.xml><?xml version="1.0" encoding="utf-8"?>
 <p:sld xmlns:a="http://schemas.openxmlformats.org/drawingml/2006/main" xmlns:r="http://schemas.openxmlformats.org/officeDocument/2006/relationships" xmlns:p="http://schemas.openxmlformats.org/presentationml/2006/main">
   <p:cSld>
+    <p:bg>
+      <p:bgPr>
+        <a:blipFill dpi="0" rotWithShape="1">
+          <a:blip r:embed="rId2">
+            <a:lum/>
+          </a:blip>
+          <a:srcRect/>
+          <a:stretch>
+            <a:fillRect t="-9000" b="-9000"/>
+          </a:stretch>
+        </a:blipFill>
+        <a:effectLst/>
+      </p:bgPr>
+    </p:bg>
     <p:spTree>
       <p:nvGrpSpPr>
         <p:cNvPr id="1" name=""/>
@@ -3285,81 +3157,281 @@
       </p:grpSpPr>
       <p:sp>
         <p:nvSpPr>
-          <p:cNvPr id="2" name="TextBox2"/>
-          <p:cNvSpPr txBox="1">
-            <a:spLocks noChangeArrowheads="1"/>
-          </p:cNvSpPr>
-          <p:nvPr/>
-        </p:nvSpPr>
-        <p:spPr bwMode="white">
-          <a:xfrm rot="0">
-            <a:off x="0" y="0"/>
-            <a:ext cx="12192000" cy="6858000"/>
+          <p:cNvPr id="4" name="Title 3">
+            <a:extLst>
+              <a:ext uri="{FF2B5EF4-FFF2-40B4-BE49-F238E27FC236}">
+                <a16:creationId xmlns:a16="http://schemas.microsoft.com/office/drawing/2014/main" id="{360CB395-2A6F-46FE-8029-4482B3ED55F8}"/>
+              </a:ext>
+            </a:extLst>
+          </p:cNvPr>
+          <p:cNvSpPr>
+            <a:spLocks noGrp="1"/>
+          </p:cNvSpPr>
+          <p:nvPr>
+            <p:ph type="ctrTitle"/>
+          </p:nvPr>
+        </p:nvSpPr>
+        <p:spPr>
+          <a:xfrm>
+            <a:off x="667265" y="766119"/>
+            <a:ext cx="10824519" cy="5436974"/>
           </a:xfrm>
-          <a:prstGeom prst="rect">
-            <a:avLst/>
-          </a:prstGeom>
-          <a:ln>
-            <a:headEnd type="none"/>
-            <a:tailEnd type="none"/>
-          </a:ln>
-        </p:spPr>
-        <p:txBody>
-          <a:bodyPr wrap="square">
-            <a:spAutoFit/>
-          </a:bodyPr>
-          <a:lstStyle/>
-          <a:p>
-            <a:pPr algn="ctr" defTabSz="914400"/>
-            <a:r>
-              <a:rPr sz="8000" b="1" dirty="0">
-                <a:solidFill>
-                  <a:srgbClr val="FFFFFF"/>
-                </a:solidFill>
-              </a:rPr>
-              <a:t> dasds</a:t>
-            </a:r>
-          </a:p>
-        </p:txBody>
-      </p:sp>
-      <p:sp>
-        <p:nvSpPr>
-          <p:cNvPr id="3" name="SyncfusionLicense"/>
-          <p:cNvSpPr txBox="1">
-            <a:spLocks noChangeArrowheads="1"/>
-          </p:cNvSpPr>
-          <p:nvPr/>
-        </p:nvSpPr>
-        <p:spPr bwMode="white">
-          <a:xfrm rot="0">
-            <a:off x="3365500" y="6096000"/>
-            <a:ext cx="5461000" cy="381000"/>
-          </a:xfrm>
-          <a:prstGeom prst="rect">
-            <a:avLst/>
-          </a:prstGeom>
-          <a:ln>
-            <a:headEnd type="none"/>
-            <a:tailEnd type="none"/>
-          </a:ln>
-        </p:spPr>
-        <p:txBody>
-          <a:bodyPr anchor="ctr" wrap="square">
-            <a:spAutoFit/>
-          </a:bodyPr>
-          <a:lstStyle/>
-          <a:p>
-            <a:pPr algn="ctr" defTabSz="914400">
-              <a:defRPr sz="1400" dirty="0"/>
-            </a:pPr>
-            <a:r>
-              <a:rPr dirty="0">
-                <a:solidFill>
-                  <a:srgbClr val="000000"/>
-                </a:solidFill>
-              </a:rPr>
-              <a:t>Created with a trial version of Syncfusion Essential Presentation</a:t>
-            </a:r>
+        </p:spPr>
+        <p:txBody>
+          <a:bodyPr anchor="ctr"/>
+          <a:lstStyle/>
+          <a:p>
+            <a:r>
+              <a:rPr lang="en-GB" b="0" i="0" dirty="0">
+                <a:solidFill>
+                  <a:srgbClr val="000000"/>
+                </a:solidFill>
+                <a:effectLst/>
+                <a:latin typeface="Open Sans" panose="020B0606030504020204" pitchFamily="34" charset="0"/>
+              </a:rPr>
+              <a:t>Lorem ipsum </a:t>
+            </a:r>
+            <a:r>
+              <a:rPr lang="en-GB" b="0" i="0" dirty="0" err="1">
+                <a:solidFill>
+                  <a:srgbClr val="000000"/>
+                </a:solidFill>
+                <a:effectLst/>
+                <a:latin typeface="Open Sans" panose="020B0606030504020204" pitchFamily="34" charset="0"/>
+              </a:rPr>
+              <a:t>dolor</a:t>
+            </a:r>
+            <a:r>
+              <a:rPr lang="en-GB" b="0" i="0" dirty="0">
+                <a:solidFill>
+                  <a:srgbClr val="000000"/>
+                </a:solidFill>
+                <a:effectLst/>
+                <a:latin typeface="Open Sans" panose="020B0606030504020204" pitchFamily="34" charset="0"/>
+              </a:rPr>
+              <a:t> sit </a:t>
+            </a:r>
+            <a:r>
+              <a:rPr lang="en-GB" b="0" i="0" dirty="0" err="1">
+                <a:solidFill>
+                  <a:srgbClr val="000000"/>
+                </a:solidFill>
+                <a:effectLst/>
+                <a:latin typeface="Open Sans" panose="020B0606030504020204" pitchFamily="34" charset="0"/>
+              </a:rPr>
+              <a:t>amet</a:t>
+            </a:r>
+            <a:r>
+              <a:rPr lang="en-GB" b="0" i="0" dirty="0">
+                <a:solidFill>
+                  <a:srgbClr val="000000"/>
+                </a:solidFill>
+                <a:effectLst/>
+                <a:latin typeface="Open Sans" panose="020B0606030504020204" pitchFamily="34" charset="0"/>
+              </a:rPr>
+              <a:t>, </a:t>
+            </a:r>
+            <a:r>
+              <a:rPr lang="en-GB" b="0" i="0" dirty="0" err="1">
+                <a:solidFill>
+                  <a:srgbClr val="000000"/>
+                </a:solidFill>
+                <a:effectLst/>
+                <a:latin typeface="Open Sans" panose="020B0606030504020204" pitchFamily="34" charset="0"/>
+              </a:rPr>
+              <a:t>consectetur</a:t>
+            </a:r>
+            <a:r>
+              <a:rPr lang="en-GB" b="0" i="0" dirty="0">
+                <a:solidFill>
+                  <a:srgbClr val="000000"/>
+                </a:solidFill>
+                <a:effectLst/>
+                <a:latin typeface="Open Sans" panose="020B0606030504020204" pitchFamily="34" charset="0"/>
+              </a:rPr>
+              <a:t> </a:t>
+            </a:r>
+            <a:r>
+              <a:rPr lang="en-GB" b="0" i="0" dirty="0" err="1">
+                <a:solidFill>
+                  <a:srgbClr val="000000"/>
+                </a:solidFill>
+                <a:effectLst/>
+                <a:latin typeface="Open Sans" panose="020B0606030504020204" pitchFamily="34" charset="0"/>
+              </a:rPr>
+              <a:t>adipiscing</a:t>
+            </a:r>
+            <a:r>
+              <a:rPr lang="en-GB" b="0" i="0" dirty="0">
+                <a:solidFill>
+                  <a:srgbClr val="000000"/>
+                </a:solidFill>
+                <a:effectLst/>
+                <a:latin typeface="Open Sans" panose="020B0606030504020204" pitchFamily="34" charset="0"/>
+              </a:rPr>
+              <a:t> </a:t>
+            </a:r>
+            <a:r>
+              <a:rPr lang="en-GB" b="0" i="0" dirty="0" err="1">
+                <a:solidFill>
+                  <a:srgbClr val="000000"/>
+                </a:solidFill>
+                <a:effectLst/>
+                <a:latin typeface="Open Sans" panose="020B0606030504020204" pitchFamily="34" charset="0"/>
+              </a:rPr>
+              <a:t>elit</a:t>
+            </a:r>
+            <a:r>
+              <a:rPr lang="en-GB" b="0" i="0" dirty="0">
+                <a:solidFill>
+                  <a:srgbClr val="000000"/>
+                </a:solidFill>
+                <a:effectLst/>
+                <a:latin typeface="Open Sans" panose="020B0606030504020204" pitchFamily="34" charset="0"/>
+              </a:rPr>
+              <a:t>, </a:t>
+            </a:r>
+            <a:r>
+              <a:rPr lang="en-GB" b="0" i="0" dirty="0" err="1">
+                <a:solidFill>
+                  <a:srgbClr val="000000"/>
+                </a:solidFill>
+                <a:effectLst/>
+                <a:latin typeface="Open Sans" panose="020B0606030504020204" pitchFamily="34" charset="0"/>
+              </a:rPr>
+              <a:t>sed</a:t>
+            </a:r>
+            <a:r>
+              <a:rPr lang="en-GB" b="0" i="0" dirty="0">
+                <a:solidFill>
+                  <a:srgbClr val="000000"/>
+                </a:solidFill>
+                <a:effectLst/>
+                <a:latin typeface="Open Sans" panose="020B0606030504020204" pitchFamily="34" charset="0"/>
+              </a:rPr>
+              <a:t> do </a:t>
+            </a:r>
+            <a:r>
+              <a:rPr lang="en-GB" b="0" i="0" dirty="0" err="1">
+                <a:solidFill>
+                  <a:srgbClr val="000000"/>
+                </a:solidFill>
+                <a:effectLst/>
+                <a:latin typeface="Open Sans" panose="020B0606030504020204" pitchFamily="34" charset="0"/>
+              </a:rPr>
+              <a:t>eiusmod</a:t>
+            </a:r>
+            <a:r>
+              <a:rPr lang="en-GB" b="0" i="0" dirty="0">
+                <a:solidFill>
+                  <a:srgbClr val="000000"/>
+                </a:solidFill>
+                <a:effectLst/>
+                <a:latin typeface="Open Sans" panose="020B0606030504020204" pitchFamily="34" charset="0"/>
+              </a:rPr>
+              <a:t> </a:t>
+            </a:r>
+            <a:r>
+              <a:rPr lang="en-GB" b="0" i="0" dirty="0" err="1">
+                <a:solidFill>
+                  <a:srgbClr val="000000"/>
+                </a:solidFill>
+                <a:effectLst/>
+                <a:latin typeface="Open Sans" panose="020B0606030504020204" pitchFamily="34" charset="0"/>
+              </a:rPr>
+              <a:t>tempor</a:t>
+            </a:r>
+            <a:r>
+              <a:rPr lang="en-GB" b="0" i="0" dirty="0">
+                <a:solidFill>
+                  <a:srgbClr val="000000"/>
+                </a:solidFill>
+                <a:effectLst/>
+                <a:latin typeface="Open Sans" panose="020B0606030504020204" pitchFamily="34" charset="0"/>
+              </a:rPr>
+              <a:t> </a:t>
+            </a:r>
+            <a:r>
+              <a:rPr lang="en-GB" b="0" i="0" dirty="0" err="1">
+                <a:solidFill>
+                  <a:srgbClr val="000000"/>
+                </a:solidFill>
+                <a:effectLst/>
+                <a:latin typeface="Open Sans" panose="020B0606030504020204" pitchFamily="34" charset="0"/>
+              </a:rPr>
+              <a:t>incididunt</a:t>
+            </a:r>
+            <a:r>
+              <a:rPr lang="en-GB" b="0" i="0" dirty="0">
+                <a:solidFill>
+                  <a:srgbClr val="000000"/>
+                </a:solidFill>
+                <a:effectLst/>
+                <a:latin typeface="Open Sans" panose="020B0606030504020204" pitchFamily="34" charset="0"/>
+              </a:rPr>
+              <a:t> </a:t>
+            </a:r>
+            <a:r>
+              <a:rPr lang="en-GB" b="0" i="0" dirty="0" err="1">
+                <a:solidFill>
+                  <a:srgbClr val="000000"/>
+                </a:solidFill>
+                <a:effectLst/>
+                <a:latin typeface="Open Sans" panose="020B0606030504020204" pitchFamily="34" charset="0"/>
+              </a:rPr>
+              <a:t>ut</a:t>
+            </a:r>
+            <a:r>
+              <a:rPr lang="en-GB" b="0" i="0" dirty="0">
+                <a:solidFill>
+                  <a:srgbClr val="000000"/>
+                </a:solidFill>
+                <a:effectLst/>
+                <a:latin typeface="Open Sans" panose="020B0606030504020204" pitchFamily="34" charset="0"/>
+              </a:rPr>
+              <a:t> </a:t>
+            </a:r>
+            <a:r>
+              <a:rPr lang="en-GB" b="0" i="0" dirty="0" err="1">
+                <a:solidFill>
+                  <a:srgbClr val="000000"/>
+                </a:solidFill>
+                <a:effectLst/>
+                <a:latin typeface="Open Sans" panose="020B0606030504020204" pitchFamily="34" charset="0"/>
+              </a:rPr>
+              <a:t>labore</a:t>
+            </a:r>
+            <a:r>
+              <a:rPr lang="en-GB" b="0" i="0" dirty="0">
+                <a:solidFill>
+                  <a:srgbClr val="000000"/>
+                </a:solidFill>
+                <a:effectLst/>
+                <a:latin typeface="Open Sans" panose="020B0606030504020204" pitchFamily="34" charset="0"/>
+              </a:rPr>
+              <a:t> et dolore magna </a:t>
+            </a:r>
+            <a:r>
+              <a:rPr lang="en-GB" b="0" i="0" dirty="0" err="1">
+                <a:solidFill>
+                  <a:srgbClr val="000000"/>
+                </a:solidFill>
+                <a:effectLst/>
+                <a:latin typeface="Open Sans" panose="020B0606030504020204" pitchFamily="34" charset="0"/>
+              </a:rPr>
+              <a:t>aliqua</a:t>
+            </a:r>
+            <a:r>
+              <a:rPr lang="en-GB" b="0" i="0" dirty="0">
+                <a:solidFill>
+                  <a:srgbClr val="000000"/>
+                </a:solidFill>
+                <a:effectLst/>
+                <a:latin typeface="Open Sans" panose="020B0606030504020204" pitchFamily="34" charset="0"/>
+              </a:rPr>
+              <a:t>.</a:t>
+            </a:r>
+            <a:endParaRPr lang="en-GB" dirty="0"/>
           </a:p>
         </p:txBody>
       </p:sp>
@@ -3374,6 +3446,20 @@
 <file path=ppt/slides/slide2.xml><?xml version="1.0" encoding="utf-8"?>
 <p:sld xmlns:a="http://schemas.openxmlformats.org/drawingml/2006/main" xmlns:r="http://schemas.openxmlformats.org/officeDocument/2006/relationships" xmlns:p="http://schemas.openxmlformats.org/presentationml/2006/main">
   <p:cSld>
+    <p:bg>
+      <p:bgPr>
+        <a:blipFill dpi="0" rotWithShape="1">
+          <a:blip r:embed="rId2">
+            <a:lum/>
+          </a:blip>
+          <a:srcRect/>
+          <a:stretch>
+            <a:fillRect t="-9000" b="-9000"/>
+          </a:stretch>
+        </a:blipFill>
+        <a:effectLst/>
+      </p:bgPr>
+    </p:bg>
     <p:spTree>
       <p:nvGrpSpPr>
         <p:cNvPr id="1" name=""/>
@@ -3390,90 +3476,270 @@
       </p:grpSpPr>
       <p:sp>
         <p:nvSpPr>
-          <p:cNvPr id="2" name="TextBox2"/>
-          <p:cNvSpPr txBox="1">
-            <a:spLocks noChangeArrowheads="1"/>
-          </p:cNvSpPr>
-          <p:nvPr/>
-        </p:nvSpPr>
-        <p:spPr bwMode="white">
-          <a:xfrm rot="0">
-            <a:off x="0" y="0"/>
-            <a:ext cx="12192000" cy="6858000"/>
+          <p:cNvPr id="4" name="Title 3">
+            <a:extLst>
+              <a:ext uri="{FF2B5EF4-FFF2-40B4-BE49-F238E27FC236}">
+                <a16:creationId xmlns:a16="http://schemas.microsoft.com/office/drawing/2014/main" id="{360CB395-2A6F-46FE-8029-4482B3ED55F8}"/>
+              </a:ext>
+            </a:extLst>
+          </p:cNvPr>
+          <p:cNvSpPr>
+            <a:spLocks noGrp="1"/>
+          </p:cNvSpPr>
+          <p:nvPr>
+            <p:ph type="ctrTitle"/>
+          </p:nvPr>
+        </p:nvSpPr>
+        <p:spPr>
+          <a:xfrm>
+            <a:off x="667265" y="766119"/>
+            <a:ext cx="10824519" cy="5436974"/>
           </a:xfrm>
-          <a:prstGeom prst="rect">
-            <a:avLst/>
-          </a:prstGeom>
-          <a:ln>
-            <a:headEnd type="none"/>
-            <a:tailEnd type="none"/>
-          </a:ln>
-        </p:spPr>
-        <p:txBody>
-          <a:bodyPr wrap="square">
-            <a:spAutoFit/>
-          </a:bodyPr>
-          <a:lstStyle/>
-          <a:p>
-            <a:pPr algn="ctr" defTabSz="914400"/>
-            <a:r>
-              <a:rPr sz="7000" b="1" dirty="0">
-                <a:solidFill>
-                  <a:srgbClr val="FFFFFF"/>
-                </a:solidFill>
-                <a:latin typeface="Arial"/>
-              </a:rPr>
-              <a:t>
- asdas
-das
-d
-a sd</a:t>
-            </a:r>
-          </a:p>
-        </p:txBody>
-      </p:sp>
-      <p:sp>
-        <p:nvSpPr>
-          <p:cNvPr id="3" name="SyncfusionLicense"/>
-          <p:cNvSpPr txBox="1">
-            <a:spLocks noChangeArrowheads="1"/>
-          </p:cNvSpPr>
-          <p:nvPr/>
-        </p:nvSpPr>
-        <p:spPr bwMode="white">
-          <a:xfrm rot="0">
-            <a:off x="3365500" y="6096000"/>
-            <a:ext cx="5461000" cy="381000"/>
-          </a:xfrm>
-          <a:prstGeom prst="rect">
-            <a:avLst/>
-          </a:prstGeom>
-          <a:ln>
-            <a:headEnd type="none"/>
-            <a:tailEnd type="none"/>
-          </a:ln>
-        </p:spPr>
-        <p:txBody>
-          <a:bodyPr anchor="ctr" wrap="square">
-            <a:spAutoFit/>
-          </a:bodyPr>
-          <a:lstStyle/>
-          <a:p>
-            <a:pPr algn="ctr" defTabSz="914400">
-              <a:defRPr sz="1400" dirty="0"/>
-            </a:pPr>
-            <a:r>
-              <a:rPr dirty="0">
-                <a:solidFill>
-                  <a:srgbClr val="000000"/>
-                </a:solidFill>
-              </a:rPr>
-              <a:t>Created with a trial version of Syncfusion Essential Presentation</a:t>
-            </a:r>
+        </p:spPr>
+        <p:txBody>
+          <a:bodyPr anchor="ctr"/>
+          <a:lstStyle/>
+          <a:p>
+            <a:r>
+              <a:rPr lang="en-GB" b="0" i="0" dirty="0">
+                <a:solidFill>
+                  <a:srgbClr val="000000"/>
+                </a:solidFill>
+                <a:effectLst/>
+                <a:latin typeface="Open Sans" panose="020B0606030504020204" pitchFamily="34" charset="0"/>
+              </a:rPr>
+              <a:t>Ut </a:t>
+            </a:r>
+            <a:r>
+              <a:rPr lang="en-GB" b="0" i="0" dirty="0" err="1">
+                <a:solidFill>
+                  <a:srgbClr val="000000"/>
+                </a:solidFill>
+                <a:effectLst/>
+                <a:latin typeface="Open Sans" panose="020B0606030504020204" pitchFamily="34" charset="0"/>
+              </a:rPr>
+              <a:t>enim</a:t>
+            </a:r>
+            <a:r>
+              <a:rPr lang="en-GB" b="0" i="0" dirty="0">
+                <a:solidFill>
+                  <a:srgbClr val="000000"/>
+                </a:solidFill>
+                <a:effectLst/>
+                <a:latin typeface="Open Sans" panose="020B0606030504020204" pitchFamily="34" charset="0"/>
+              </a:rPr>
+              <a:t> ad minim </a:t>
+            </a:r>
+            <a:r>
+              <a:rPr lang="en-GB" b="0" i="0" dirty="0" err="1">
+                <a:solidFill>
+                  <a:srgbClr val="000000"/>
+                </a:solidFill>
+                <a:effectLst/>
+                <a:latin typeface="Open Sans" panose="020B0606030504020204" pitchFamily="34" charset="0"/>
+              </a:rPr>
+              <a:t>veniam</a:t>
+            </a:r>
+            <a:r>
+              <a:rPr lang="en-GB" b="0" i="0" dirty="0">
+                <a:solidFill>
+                  <a:srgbClr val="000000"/>
+                </a:solidFill>
+                <a:effectLst/>
+                <a:latin typeface="Open Sans" panose="020B0606030504020204" pitchFamily="34" charset="0"/>
+              </a:rPr>
+              <a:t>, </a:t>
+            </a:r>
+            <a:r>
+              <a:rPr lang="en-GB" b="0" i="0" dirty="0" err="1">
+                <a:solidFill>
+                  <a:srgbClr val="000000"/>
+                </a:solidFill>
+                <a:effectLst/>
+                <a:latin typeface="Open Sans" panose="020B0606030504020204" pitchFamily="34" charset="0"/>
+              </a:rPr>
+              <a:t>quis</a:t>
+            </a:r>
+            <a:r>
+              <a:rPr lang="en-GB" b="0" i="0" dirty="0">
+                <a:solidFill>
+                  <a:srgbClr val="000000"/>
+                </a:solidFill>
+                <a:effectLst/>
+                <a:latin typeface="Open Sans" panose="020B0606030504020204" pitchFamily="34" charset="0"/>
+              </a:rPr>
+              <a:t> </a:t>
+            </a:r>
+            <a:r>
+              <a:rPr lang="en-GB" b="0" i="0" dirty="0" err="1">
+                <a:solidFill>
+                  <a:srgbClr val="000000"/>
+                </a:solidFill>
+                <a:effectLst/>
+                <a:latin typeface="Open Sans" panose="020B0606030504020204" pitchFamily="34" charset="0"/>
+              </a:rPr>
+              <a:t>nostrud</a:t>
+            </a:r>
+            <a:r>
+              <a:rPr lang="en-GB" b="0" i="0" dirty="0">
+                <a:solidFill>
+                  <a:srgbClr val="000000"/>
+                </a:solidFill>
+                <a:effectLst/>
+                <a:latin typeface="Open Sans" panose="020B0606030504020204" pitchFamily="34" charset="0"/>
+              </a:rPr>
+              <a:t> exercitation </a:t>
+            </a:r>
+            <a:r>
+              <a:rPr lang="en-GB" b="0" i="0" dirty="0" err="1">
+                <a:solidFill>
+                  <a:srgbClr val="000000"/>
+                </a:solidFill>
+                <a:effectLst/>
+                <a:latin typeface="Open Sans" panose="020B0606030504020204" pitchFamily="34" charset="0"/>
+              </a:rPr>
+              <a:t>ullamco</a:t>
+            </a:r>
+            <a:r>
+              <a:rPr lang="en-GB" b="0" i="0" dirty="0">
+                <a:solidFill>
+                  <a:srgbClr val="000000"/>
+                </a:solidFill>
+                <a:effectLst/>
+                <a:latin typeface="Open Sans" panose="020B0606030504020204" pitchFamily="34" charset="0"/>
+              </a:rPr>
+              <a:t> </a:t>
+            </a:r>
+            <a:r>
+              <a:rPr lang="en-GB" b="0" i="0" dirty="0" err="1">
+                <a:solidFill>
+                  <a:srgbClr val="000000"/>
+                </a:solidFill>
+                <a:effectLst/>
+                <a:latin typeface="Open Sans" panose="020B0606030504020204" pitchFamily="34" charset="0"/>
+              </a:rPr>
+              <a:t>laboris</a:t>
+            </a:r>
+            <a:r>
+              <a:rPr lang="en-GB" b="0" i="0" dirty="0">
+                <a:solidFill>
+                  <a:srgbClr val="000000"/>
+                </a:solidFill>
+                <a:effectLst/>
+                <a:latin typeface="Open Sans" panose="020B0606030504020204" pitchFamily="34" charset="0"/>
+              </a:rPr>
+              <a:t> nisi </a:t>
+            </a:r>
+            <a:r>
+              <a:rPr lang="en-GB" b="0" i="0" dirty="0" err="1">
+                <a:solidFill>
+                  <a:srgbClr val="000000"/>
+                </a:solidFill>
+                <a:effectLst/>
+                <a:latin typeface="Open Sans" panose="020B0606030504020204" pitchFamily="34" charset="0"/>
+              </a:rPr>
+              <a:t>ut</a:t>
+            </a:r>
+            <a:r>
+              <a:rPr lang="en-GB" b="0" i="0" dirty="0">
+                <a:solidFill>
+                  <a:srgbClr val="000000"/>
+                </a:solidFill>
+                <a:effectLst/>
+                <a:latin typeface="Open Sans" panose="020B0606030504020204" pitchFamily="34" charset="0"/>
+              </a:rPr>
+              <a:t> </a:t>
+            </a:r>
+            <a:r>
+              <a:rPr lang="en-GB" b="0" i="0" dirty="0" err="1">
+                <a:solidFill>
+                  <a:srgbClr val="000000"/>
+                </a:solidFill>
+                <a:effectLst/>
+                <a:latin typeface="Open Sans" panose="020B0606030504020204" pitchFamily="34" charset="0"/>
+              </a:rPr>
+              <a:t>aliquip</a:t>
+            </a:r>
+            <a:r>
+              <a:rPr lang="en-GB" b="0" i="0" dirty="0">
+                <a:solidFill>
+                  <a:srgbClr val="000000"/>
+                </a:solidFill>
+                <a:effectLst/>
+                <a:latin typeface="Open Sans" panose="020B0606030504020204" pitchFamily="34" charset="0"/>
+              </a:rPr>
+              <a:t> ex </a:t>
+            </a:r>
+            <a:r>
+              <a:rPr lang="en-GB" b="0" i="0" dirty="0" err="1">
+                <a:solidFill>
+                  <a:srgbClr val="000000"/>
+                </a:solidFill>
+                <a:effectLst/>
+                <a:latin typeface="Open Sans" panose="020B0606030504020204" pitchFamily="34" charset="0"/>
+              </a:rPr>
+              <a:t>ea</a:t>
+            </a:r>
+            <a:r>
+              <a:rPr lang="en-GB" b="0" i="0" dirty="0">
+                <a:solidFill>
+                  <a:srgbClr val="000000"/>
+                </a:solidFill>
+                <a:effectLst/>
+                <a:latin typeface="Open Sans" panose="020B0606030504020204" pitchFamily="34" charset="0"/>
+              </a:rPr>
+              <a:t> </a:t>
+            </a:r>
+            <a:r>
+              <a:rPr lang="en-GB" b="0" i="0" dirty="0" err="1">
+                <a:solidFill>
+                  <a:srgbClr val="000000"/>
+                </a:solidFill>
+                <a:effectLst/>
+                <a:latin typeface="Open Sans" panose="020B0606030504020204" pitchFamily="34" charset="0"/>
+              </a:rPr>
+              <a:t>commodo</a:t>
+            </a:r>
+            <a:r>
+              <a:rPr lang="en-GB" b="0" i="0" dirty="0">
+                <a:solidFill>
+                  <a:srgbClr val="000000"/>
+                </a:solidFill>
+                <a:effectLst/>
+                <a:latin typeface="Open Sans" panose="020B0606030504020204" pitchFamily="34" charset="0"/>
+              </a:rPr>
+              <a:t> </a:t>
+            </a:r>
+            <a:r>
+              <a:rPr lang="en-GB" b="0" i="0" dirty="0" err="1">
+                <a:solidFill>
+                  <a:srgbClr val="000000"/>
+                </a:solidFill>
+                <a:effectLst/>
+                <a:latin typeface="Open Sans" panose="020B0606030504020204" pitchFamily="34" charset="0"/>
+              </a:rPr>
+              <a:t>consequat</a:t>
+            </a:r>
+            <a:r>
+              <a:rPr lang="en-GB" b="0" i="0">
+                <a:solidFill>
+                  <a:srgbClr val="000000"/>
+                </a:solidFill>
+                <a:effectLst/>
+                <a:latin typeface="Open Sans" panose="020B0606030504020204" pitchFamily="34" charset="0"/>
+              </a:rPr>
+              <a:t>.</a:t>
+            </a:r>
+            <a:endParaRPr lang="en-GB" dirty="0"/>
           </a:p>
         </p:txBody>
       </p:sp>
     </p:spTree>
+    <p:extLst>
+      <p:ext uri="{BB962C8B-B14F-4D97-AF65-F5344CB8AC3E}">
+        <p14:creationId xmlns:p14="http://schemas.microsoft.com/office/powerpoint/2010/main" val="2421427014"/>
+      </p:ext>
+    </p:extLst>
   </p:cSld>
   <p:clrMapOvr>
     <a:masterClrMapping/>
@@ -3489,7 +3755,7 @@
         <a:srgbClr val="000000"/>
       </a:dk1>
       <a:lt1>
-        <a:srgbClr val="ffffff"/>
+        <a:srgbClr val="FFFFFF"/>
       </a:lt1>
       <a:dk2>
         <a:srgbClr val="44546A"/>
@@ -3738,5 +4004,7 @@
       </a:bgFillStyleLst>
     </a:fmtScheme>
   </a:themeElements>
+  <a:objectDefaults/>
+  <a:extraClrSchemeLst/>
 </a:theme>
 </file>